--- a/Stored Procedure – conceito e utilidades.pptx
+++ b/Stored Procedure – conceito e utilidades.pptx
@@ -9,6 +9,8 @@
     <p:sldId id="257" r:id="rId3"/>
     <p:sldId id="258" r:id="rId4"/>
     <p:sldId id="259" r:id="rId5"/>
+    <p:sldId id="260" r:id="rId6"/>
+    <p:sldId id="261" r:id="rId7"/>
   </p:sldIdLst>
   <p:sldSz cx="12192000" cy="6858000"/>
   <p:notesSz cx="6858000" cy="9144000"/>
@@ -107,6 +109,11 @@
       </a:defRPr>
     </a:lvl9pPr>
   </p:defaultTextStyle>
+  <p:extLst>
+    <p:ext uri="{EFAFB233-063F-42B5-8137-9DF3F51BA10A}">
+      <p15:sldGuideLst xmlns:p15="http://schemas.microsoft.com/office/powerpoint/2012/main"/>
+    </p:ext>
+  </p:extLst>
 </p:presentation>
 </file>
 
@@ -833,7 +840,7 @@
             <a:fld id="{B61BEF0D-F0BB-DE4B-95CE-6DB70DBA9567}" type="datetimeFigureOut">
               <a:rPr lang="en-US" dirty="0"/>
               <a:pPr/>
-              <a:t>6/6/2025</a:t>
+              <a:t>6/7/2025</a:t>
             </a:fld>
             <a:endParaRPr lang="en-US" dirty="0"/>
           </a:p>
@@ -1081,7 +1088,7 @@
             <a:fld id="{B61BEF0D-F0BB-DE4B-95CE-6DB70DBA9567}" type="datetimeFigureOut">
               <a:rPr lang="en-US" dirty="0"/>
               <a:pPr/>
-              <a:t>6/6/2025</a:t>
+              <a:t>6/7/2025</a:t>
             </a:fld>
             <a:endParaRPr lang="en-US" dirty="0"/>
           </a:p>
@@ -1392,7 +1399,7 @@
             <a:fld id="{B61BEF0D-F0BB-DE4B-95CE-6DB70DBA9567}" type="datetimeFigureOut">
               <a:rPr lang="en-US" dirty="0"/>
               <a:pPr/>
-              <a:t>6/6/2025</a:t>
+              <a:t>6/7/2025</a:t>
             </a:fld>
             <a:endParaRPr lang="en-US" dirty="0"/>
           </a:p>
@@ -1730,7 +1737,7 @@
             <a:fld id="{B61BEF0D-F0BB-DE4B-95CE-6DB70DBA9567}" type="datetimeFigureOut">
               <a:rPr lang="en-US" dirty="0"/>
               <a:pPr/>
-              <a:t>6/6/2025</a:t>
+              <a:t>6/7/2025</a:t>
             </a:fld>
             <a:endParaRPr lang="en-US" dirty="0"/>
           </a:p>
@@ -2041,7 +2048,7 @@
             <a:fld id="{B61BEF0D-F0BB-DE4B-95CE-6DB70DBA9567}" type="datetimeFigureOut">
               <a:rPr lang="en-US" dirty="0"/>
               <a:pPr/>
-              <a:t>6/6/2025</a:t>
+              <a:t>6/7/2025</a:t>
             </a:fld>
             <a:endParaRPr lang="en-US" dirty="0"/>
           </a:p>
@@ -2431,7 +2438,7 @@
             <a:fld id="{B61BEF0D-F0BB-DE4B-95CE-6DB70DBA9567}" type="datetimeFigureOut">
               <a:rPr lang="en-US" dirty="0"/>
               <a:pPr/>
-              <a:t>6/6/2025</a:t>
+              <a:t>6/7/2025</a:t>
             </a:fld>
             <a:endParaRPr lang="en-US" dirty="0"/>
           </a:p>
@@ -2597,7 +2604,7 @@
           <a:p>
             <a:fld id="{55C6B4A9-1611-4792-9094-5F34BCA07E0B}" type="datetimeFigureOut">
               <a:rPr lang="en-US" dirty="0"/>
-              <a:t>6/6/2025</a:t>
+              <a:t>6/7/2025</a:t>
             </a:fld>
             <a:endParaRPr lang="en-US" dirty="0"/>
           </a:p>
@@ -2773,7 +2780,7 @@
             <a:fld id="{B61BEF0D-F0BB-DE4B-95CE-6DB70DBA9567}" type="datetimeFigureOut">
               <a:rPr lang="en-US" dirty="0"/>
               <a:pPr/>
-              <a:t>6/6/2025</a:t>
+              <a:t>6/7/2025</a:t>
             </a:fld>
             <a:endParaRPr lang="en-US" dirty="0"/>
           </a:p>
@@ -2946,7 +2953,7 @@
             <a:fld id="{B61BEF0D-F0BB-DE4B-95CE-6DB70DBA9567}" type="datetimeFigureOut">
               <a:rPr lang="en-US" dirty="0"/>
               <a:pPr/>
-              <a:t>6/6/2025</a:t>
+              <a:t>6/7/2025</a:t>
             </a:fld>
             <a:endParaRPr lang="en-US" dirty="0"/>
           </a:p>
@@ -3190,7 +3197,7 @@
             <a:fld id="{B61BEF0D-F0BB-DE4B-95CE-6DB70DBA9567}" type="datetimeFigureOut">
               <a:rPr lang="en-US" dirty="0"/>
               <a:pPr/>
-              <a:t>6/6/2025</a:t>
+              <a:t>6/7/2025</a:t>
             </a:fld>
             <a:endParaRPr lang="en-US" dirty="0"/>
           </a:p>
@@ -3418,7 +3425,7 @@
           <a:p>
             <a:fld id="{EB712588-04B1-427B-82EE-E8DB90309F08}" type="datetimeFigureOut">
               <a:rPr lang="en-US" dirty="0"/>
-              <a:t>6/6/2025</a:t>
+              <a:t>6/7/2025</a:t>
             </a:fld>
             <a:endParaRPr lang="en-US" dirty="0"/>
           </a:p>
@@ -3788,7 +3795,7 @@
             <a:fld id="{B61BEF0D-F0BB-DE4B-95CE-6DB70DBA9567}" type="datetimeFigureOut">
               <a:rPr lang="en-US" dirty="0"/>
               <a:pPr/>
-              <a:t>6/6/2025</a:t>
+              <a:t>6/7/2025</a:t>
             </a:fld>
             <a:endParaRPr lang="en-US" dirty="0"/>
           </a:p>
@@ -3908,7 +3915,7 @@
             <a:fld id="{B61BEF0D-F0BB-DE4B-95CE-6DB70DBA9567}" type="datetimeFigureOut">
               <a:rPr lang="en-US" dirty="0"/>
               <a:pPr/>
-              <a:t>6/6/2025</a:t>
+              <a:t>6/7/2025</a:t>
             </a:fld>
             <a:endParaRPr lang="en-US" dirty="0"/>
           </a:p>
@@ -4000,7 +4007,7 @@
             <a:fld id="{B61BEF0D-F0BB-DE4B-95CE-6DB70DBA9567}" type="datetimeFigureOut">
               <a:rPr lang="en-US" dirty="0"/>
               <a:pPr/>
-              <a:t>6/6/2025</a:t>
+              <a:t>6/7/2025</a:t>
             </a:fld>
             <a:endParaRPr lang="en-US" dirty="0"/>
           </a:p>
@@ -4251,7 +4258,7 @@
           <a:p>
             <a:fld id="{42A54C80-263E-416B-A8E0-580EDEADCBDC}" type="datetimeFigureOut">
               <a:rPr lang="en-US" dirty="0"/>
-              <a:t>6/6/2025</a:t>
+              <a:t>6/7/2025</a:t>
             </a:fld>
             <a:endParaRPr lang="en-US" dirty="0"/>
           </a:p>
@@ -4510,7 +4517,7 @@
             <a:fld id="{B61BEF0D-F0BB-DE4B-95CE-6DB70DBA9567}" type="datetimeFigureOut">
               <a:rPr lang="en-US" dirty="0"/>
               <a:pPr/>
-              <a:t>6/6/2025</a:t>
+              <a:t>6/7/2025</a:t>
             </a:fld>
             <a:endParaRPr lang="en-US" dirty="0"/>
           </a:p>
@@ -5250,7 +5257,7 @@
             <a:fld id="{B61BEF0D-F0BB-DE4B-95CE-6DB70DBA9567}" type="datetimeFigureOut">
               <a:rPr lang="en-US" dirty="0"/>
               <a:pPr/>
-              <a:t>6/6/2025</a:t>
+              <a:t>6/7/2025</a:t>
             </a:fld>
             <a:endParaRPr lang="en-US" dirty="0"/>
           </a:p>
@@ -6260,8 +6267,8 @@
         </p:nvSpPr>
         <p:spPr>
           <a:xfrm>
-            <a:off x="774316" y="2035898"/>
-            <a:ext cx="8596668" cy="3880773"/>
+            <a:off x="677334" y="1413164"/>
+            <a:ext cx="10059939" cy="5103617"/>
           </a:xfrm>
         </p:spPr>
         <p:txBody>
@@ -6271,54 +6278,77 @@
           <a:lstStyle/>
           <a:p>
             <a:r>
+              <a:rPr lang="pt-BR" dirty="0">
+                <a:solidFill>
+                  <a:schemeClr val="accent2">
+                    <a:lumMod val="75000"/>
+                  </a:schemeClr>
+                </a:solidFill>
+              </a:rPr>
+              <a:t>P</a:t>
+            </a:r>
+            <a:r>
+              <a:rPr lang="pt-BR" dirty="0" smtClean="0">
+                <a:solidFill>
+                  <a:schemeClr val="accent2">
+                    <a:lumMod val="75000"/>
+                  </a:schemeClr>
+                </a:solidFill>
+              </a:rPr>
+              <a:t>rocedimentos </a:t>
+            </a:r>
+            <a:r>
+              <a:rPr lang="pt-BR" dirty="0">
+                <a:solidFill>
+                  <a:schemeClr val="accent2">
+                    <a:lumMod val="75000"/>
+                  </a:schemeClr>
+                </a:solidFill>
+              </a:rPr>
+              <a:t>locais </a:t>
+            </a:r>
+            <a:r>
               <a:rPr lang="pt-BR" dirty="0"/>
-              <a:t>P</a:t>
+              <a:t>- </a:t>
             </a:r>
             <a:r>
               <a:rPr lang="pt-BR" dirty="0" smtClean="0"/>
-              <a:t>rocedimentos </a:t>
+              <a:t>Semelhantes a procedimentos em outras linguagens ,a principal característica é que pertence a um banco e dados somente, criado </a:t>
             </a:r>
             <a:r>
               <a:rPr lang="pt-BR" dirty="0"/>
-              <a:t>locais - </a:t>
-            </a:r>
-            <a:r>
-              <a:rPr lang="pt-BR" dirty="0"/>
-              <a:t>C</a:t>
+              <a:t>a partir de dados do próprio banco</a:t>
             </a:r>
             <a:r>
               <a:rPr lang="pt-BR" dirty="0" smtClean="0"/>
-              <a:t>riado </a:t>
-            </a:r>
-            <a:r>
-              <a:rPr lang="pt-BR" dirty="0"/>
-              <a:t>a </a:t>
+              <a:t>, caso precise usar a mesma lógica em outro banco, será necessário criar outra procedure ;</a:t>
+            </a:r>
+            <a:endParaRPr lang="pt-BR" dirty="0"/>
+          </a:p>
+          <a:p>
+            <a:r>
+              <a:rPr lang="pt-BR" dirty="0">
+                <a:solidFill>
+                  <a:schemeClr val="accent2">
+                    <a:lumMod val="75000"/>
+                  </a:schemeClr>
+                </a:solidFill>
+              </a:rPr>
+              <a:t>T</a:t>
+            </a:r>
+            <a:r>
+              <a:rPr lang="pt-BR" dirty="0" smtClean="0">
+                <a:solidFill>
+                  <a:schemeClr val="accent2">
+                    <a:lumMod val="75000"/>
+                  </a:schemeClr>
+                </a:solidFill>
+              </a:rPr>
+              <a:t>emporário</a:t>
             </a:r>
             <a:r>
               <a:rPr lang="pt-BR" dirty="0" smtClean="0"/>
-              <a:t>partir </a:t>
-            </a:r>
-            <a:r>
-              <a:rPr lang="pt-BR" dirty="0"/>
-              <a:t>de dados do </a:t>
-            </a:r>
-            <a:r>
-              <a:rPr lang="pt-BR" dirty="0" smtClean="0"/>
-              <a:t>próprio usuário</a:t>
-            </a:r>
-            <a:r>
-              <a:rPr lang="pt-BR" dirty="0"/>
-              <a:t>;</a:t>
-            </a:r>
-          </a:p>
-          <a:p>
-            <a:r>
-              <a:rPr lang="pt-BR" dirty="0"/>
-              <a:t>T</a:t>
-            </a:r>
-            <a:r>
-              <a:rPr lang="pt-BR" dirty="0" smtClean="0"/>
-              <a:t>emporário – procedimentos que duram determinado tempo estipulado pelo usuário  </a:t>
+              <a:t> – procedimentos que duram determinado tempo estipulado pelo usuário  </a:t>
             </a:r>
             <a:r>
               <a:rPr lang="pt-BR" dirty="0"/>
@@ -6356,84 +6386,172 @@
           </a:p>
           <a:p>
             <a:r>
+              <a:rPr lang="pt-BR" dirty="0">
+                <a:solidFill>
+                  <a:schemeClr val="accent2">
+                    <a:lumMod val="75000"/>
+                  </a:schemeClr>
+                </a:solidFill>
+              </a:rPr>
+              <a:t>procedimentos de sistema </a:t>
+            </a:r>
+            <a:r>
               <a:rPr lang="pt-BR" dirty="0"/>
-              <a:t>procedimentos de sistema - são armazenados no banco padrão do SQL </a:t>
+              <a:t>- são armazenados no banco padrão do SQL </a:t>
+            </a:r>
+            <a:r>
+              <a:rPr lang="pt-BR" dirty="0" smtClean="0"/>
+              <a:t>Server, identificam-se  </a:t>
+            </a:r>
+            <a:r>
+              <a:rPr lang="pt-BR" dirty="0"/>
+              <a:t>com as siglas </a:t>
+            </a:r>
+            <a:r>
+              <a:rPr lang="pt-BR" u="sng" dirty="0" err="1"/>
+              <a:t>sp</a:t>
+            </a:r>
+            <a:r>
+              <a:rPr lang="pt-BR" dirty="0"/>
+              <a:t>, que vem de </a:t>
             </a:r>
             <a:r>
               <a:rPr lang="pt-BR" dirty="0" err="1"/>
-              <a:t>Serve,ou</a:t>
+              <a:t>stored</a:t>
+            </a:r>
+            <a:r>
+              <a:rPr lang="pt-BR" dirty="0"/>
+              <a:t> procedure, esses executavam tarefas administrativas e </a:t>
+            </a:r>
+            <a:r>
+              <a:rPr lang="pt-BR" dirty="0" smtClean="0"/>
+              <a:t>são executados </a:t>
+            </a:r>
+            <a:r>
+              <a:rPr lang="pt-BR" dirty="0"/>
+              <a:t>a partir de qualquer </a:t>
+            </a:r>
+            <a:r>
+              <a:rPr lang="pt-BR" dirty="0" smtClean="0"/>
+              <a:t>banco;</a:t>
+            </a:r>
+            <a:endParaRPr lang="pt-BR" dirty="0"/>
+          </a:p>
+          <a:p>
+            <a:r>
+              <a:rPr lang="pt-BR" dirty="0">
+                <a:solidFill>
+                  <a:schemeClr val="accent2">
+                    <a:lumMod val="75000"/>
+                  </a:schemeClr>
+                </a:solidFill>
+              </a:rPr>
+              <a:t>procedimentos remotos </a:t>
+            </a:r>
+            <a:r>
+              <a:rPr lang="pt-BR" dirty="0" smtClean="0"/>
+              <a:t>– Conjunto de sistemas que são instalados por padrão pelo SGBD, diferente de procedimentos locais, os procedimentos </a:t>
+            </a:r>
+            <a:r>
+              <a:rPr lang="pt-BR" dirty="0"/>
+              <a:t>remotos , as </a:t>
+            </a:r>
+            <a:r>
+              <a:rPr lang="pt-BR" dirty="0" err="1"/>
+              <a:t>stored</a:t>
+            </a:r>
+            <a:r>
+              <a:rPr lang="pt-BR" dirty="0"/>
+              <a:t> procedures de sistema residem em um banco de dados especial do sistema </a:t>
+            </a:r>
+            <a:r>
+              <a:rPr lang="pt-BR" dirty="0" smtClean="0"/>
+              <a:t>e podem </a:t>
+            </a:r>
+            <a:r>
+              <a:rPr lang="pt-BR" dirty="0"/>
+              <a:t>usar </a:t>
+            </a:r>
+            <a:r>
+              <a:rPr lang="pt-BR" dirty="0" err="1"/>
+              <a:t>querys</a:t>
             </a:r>
             <a:r>
               <a:rPr lang="pt-BR" dirty="0"/>
               <a:t> </a:t>
             </a:r>
             <a:r>
-              <a:rPr lang="pt-BR" dirty="0" err="1"/>
-              <a:t>seje</a:t>
+              <a:rPr lang="pt-BR" dirty="0" smtClean="0"/>
+              <a:t>distribuídas </a:t>
             </a:r>
             <a:r>
               <a:rPr lang="pt-BR" dirty="0"/>
-              <a:t> no Master, da pra identificar eles com as siglas </a:t>
-            </a:r>
-            <a:r>
-              <a:rPr lang="pt-BR" dirty="0" err="1"/>
-              <a:t>sp</a:t>
-            </a:r>
-            <a:r>
-              <a:rPr lang="pt-BR" dirty="0"/>
-              <a:t>, que vem de </a:t>
-            </a:r>
-            <a:r>
-              <a:rPr lang="pt-BR" dirty="0" err="1"/>
-              <a:t>stored</a:t>
-            </a:r>
-            <a:r>
-              <a:rPr lang="pt-BR" dirty="0"/>
-              <a:t> procedure, esses executavam tarefas administrativas e da pra executar a partir de qualquer banco</a:t>
-            </a:r>
-          </a:p>
-          <a:p>
-            <a:r>
-              <a:rPr lang="pt-BR" dirty="0"/>
-              <a:t>procedimentos remotos - podem usar </a:t>
-            </a:r>
-            <a:r>
-              <a:rPr lang="pt-BR" dirty="0" err="1"/>
-              <a:t>querys</a:t>
-            </a:r>
+              <a:t>por essas procedures, são usadas apenas para </a:t>
+            </a:r>
+            <a:r>
+              <a:rPr lang="pt-BR" dirty="0" smtClean="0"/>
+              <a:t>compatibilidade;</a:t>
+            </a:r>
+            <a:endParaRPr lang="pt-BR" dirty="0"/>
+          </a:p>
+          <a:p>
             <a:r>
               <a:rPr lang="pt-BR" dirty="0"/>
               <a:t> </a:t>
             </a:r>
             <a:r>
-              <a:rPr lang="pt-BR" dirty="0" err="1"/>
-              <a:t>distribuidas</a:t>
+              <a:rPr lang="pt-BR" dirty="0">
+                <a:solidFill>
+                  <a:schemeClr val="accent2">
+                    <a:lumMod val="75000"/>
+                  </a:schemeClr>
+                </a:solidFill>
+              </a:rPr>
+              <a:t>procedimentos estendidos </a:t>
             </a:r>
             <a:r>
               <a:rPr lang="pt-BR" dirty="0"/>
-              <a:t> por essas procedures, são usadas apenas para compatibilidade</a:t>
-            </a:r>
-          </a:p>
-          <a:p>
+              <a:t>-  </a:t>
+            </a:r>
+            <a:r>
+              <a:rPr lang="pt-BR" dirty="0" smtClean="0"/>
+              <a:t>Mais comum no Microsoft SQL Server , é uma maneira de </a:t>
+            </a:r>
+            <a:r>
+              <a:rPr lang="pt-BR" dirty="0" err="1" smtClean="0"/>
+              <a:t>de</a:t>
+            </a:r>
+            <a:r>
+              <a:rPr lang="pt-BR" dirty="0" smtClean="0"/>
+              <a:t> se criar funções de biblioteca de vinculo dinâmico que dinâmicas que fornecem pontes para estabelecer funcionalidades de SQL Servers permitindo que interaja com o sistema </a:t>
+            </a:r>
+            <a:r>
+              <a:rPr lang="pt-BR" err="1" smtClean="0"/>
+              <a:t>operacional</a:t>
+            </a:r>
+            <a:r>
+              <a:rPr lang="pt-BR" smtClean="0"/>
+              <a:t>. Estes </a:t>
+            </a:r>
+            <a:r>
+              <a:rPr lang="pt-BR" dirty="0" smtClean="0"/>
+              <a:t>recebem .</a:t>
+            </a:r>
+            <a:r>
+              <a:rPr lang="pt-BR" dirty="0" err="1" smtClean="0"/>
+              <a:t>dll</a:t>
+            </a:r>
+            <a:r>
+              <a:rPr lang="pt-BR" dirty="0" smtClean="0"/>
+              <a:t> </a:t>
+            </a:r>
             <a:r>
               <a:rPr lang="pt-BR" dirty="0"/>
-              <a:t> procedimentos estendidos -  diferente do anterior, esse recebe a extensão .</a:t>
-            </a:r>
-            <a:r>
-              <a:rPr lang="pt-BR" dirty="0" err="1"/>
-              <a:t>dll</a:t>
-            </a:r>
-            <a:r>
-              <a:rPr lang="pt-BR" dirty="0"/>
-              <a:t> e são executados fora SQL Server e </a:t>
-            </a:r>
-            <a:r>
-              <a:rPr lang="pt-BR" dirty="0" err="1"/>
-              <a:t>vc</a:t>
-            </a:r>
-            <a:r>
-              <a:rPr lang="pt-BR" dirty="0"/>
-              <a:t> identifica pelo prefixo </a:t>
+              <a:t>e são executados </a:t>
+            </a:r>
+            <a:r>
+              <a:rPr lang="pt-BR" dirty="0" smtClean="0"/>
+              <a:t>e se identificam pelo prefixo </a:t>
             </a:r>
             <a:r>
               <a:rPr lang="pt-BR" dirty="0" err="1"/>
@@ -6453,6 +6571,541 @@
     <p:extLst>
       <p:ext uri="{BB962C8B-B14F-4D97-AF65-F5344CB8AC3E}">
         <p14:creationId xmlns:p14="http://schemas.microsoft.com/office/powerpoint/2010/main" val="1472628324"/>
+      </p:ext>
+    </p:extLst>
+  </p:cSld>
+  <p:clrMapOvr>
+    <a:masterClrMapping/>
+  </p:clrMapOvr>
+</p:sld>
+</file>
+
+<file path=ppt/slides/slide5.xml><?xml version="1.0" encoding="utf-8"?>
+<p:sld xmlns:a="http://schemas.openxmlformats.org/drawingml/2006/main" xmlns:r="http://schemas.openxmlformats.org/officeDocument/2006/relationships" xmlns:p="http://schemas.openxmlformats.org/presentationml/2006/main">
+  <p:cSld>
+    <p:spTree>
+      <p:nvGrpSpPr>
+        <p:cNvPr id="1" name=""/>
+        <p:cNvGrpSpPr/>
+        <p:nvPr/>
+      </p:nvGrpSpPr>
+      <p:grpSpPr>
+        <a:xfrm>
+          <a:off x="0" y="0"/>
+          <a:ext cx="0" cy="0"/>
+          <a:chOff x="0" y="0"/>
+          <a:chExt cx="0" cy="0"/>
+        </a:xfrm>
+      </p:grpSpPr>
+      <p:sp>
+        <p:nvSpPr>
+          <p:cNvPr id="2" name="Título 1"/>
+          <p:cNvSpPr>
+            <a:spLocks noGrp="1"/>
+          </p:cNvSpPr>
+          <p:nvPr>
+            <p:ph type="title"/>
+          </p:nvPr>
+        </p:nvSpPr>
+        <p:spPr/>
+        <p:txBody>
+          <a:bodyPr/>
+          <a:lstStyle/>
+          <a:p>
+            <a:r>
+              <a:rPr lang="pt-BR" dirty="0" smtClean="0"/>
+              <a:t>Quando usar?</a:t>
+            </a:r>
+            <a:endParaRPr lang="pt-BR" dirty="0"/>
+          </a:p>
+        </p:txBody>
+      </p:sp>
+      <p:sp>
+        <p:nvSpPr>
+          <p:cNvPr id="3" name="Espaço Reservado para Conteúdo 2"/>
+          <p:cNvSpPr>
+            <a:spLocks noGrp="1"/>
+          </p:cNvSpPr>
+          <p:nvPr>
+            <p:ph idx="1"/>
+          </p:nvPr>
+        </p:nvSpPr>
+        <p:spPr>
+          <a:xfrm>
+            <a:off x="580351" y="1607128"/>
+            <a:ext cx="10101463" cy="5112327"/>
+          </a:xfrm>
+        </p:spPr>
+        <p:txBody>
+          <a:bodyPr>
+            <a:normAutofit/>
+          </a:bodyPr>
+          <a:lstStyle/>
+          <a:p>
+            <a:r>
+              <a:rPr lang="pt-BR" sz="2800" dirty="0">
+                <a:solidFill>
+                  <a:schemeClr val="accent2">
+                    <a:lumMod val="75000"/>
+                  </a:schemeClr>
+                </a:solidFill>
+              </a:rPr>
+              <a:t>Em primeiro,</a:t>
+            </a:r>
+            <a:r>
+              <a:rPr lang="pt-BR" sz="2800" dirty="0"/>
+              <a:t> quando a prioridade é a consistência e segurança do dados;</a:t>
+            </a:r>
+          </a:p>
+          <a:p>
+            <a:r>
+              <a:rPr lang="pt-BR" sz="2800" dirty="0">
+                <a:solidFill>
+                  <a:schemeClr val="accent2">
+                    <a:lumMod val="75000"/>
+                  </a:schemeClr>
+                </a:solidFill>
+              </a:rPr>
+              <a:t>Em segundo</a:t>
+            </a:r>
+            <a:r>
+              <a:rPr lang="pt-BR" sz="2800" dirty="0"/>
+              <a:t>, quando se tem varias aplicações que usam linguagens e plataformas diferentes para ler e administrar dados porém executam a mesma função;</a:t>
+            </a:r>
+          </a:p>
+          <a:p>
+            <a:r>
+              <a:rPr lang="pt-BR" sz="2800" dirty="0" smtClean="0"/>
+              <a:t>Caso de uso: </a:t>
+            </a:r>
+            <a:r>
+              <a:rPr lang="pt-BR" sz="2800" dirty="0" err="1" smtClean="0"/>
+              <a:t>Itau</a:t>
+            </a:r>
+            <a:r>
+              <a:rPr lang="pt-BR" sz="2800" dirty="0" smtClean="0"/>
+              <a:t>, Bradesco </a:t>
+            </a:r>
+            <a:r>
+              <a:rPr lang="pt-BR" sz="2800" dirty="0"/>
+              <a:t>e Real usam o </a:t>
+            </a:r>
+            <a:r>
+              <a:rPr lang="pt-BR" sz="2800" dirty="0" err="1"/>
+              <a:t>stored</a:t>
+            </a:r>
+            <a:r>
+              <a:rPr lang="pt-BR" sz="2800" dirty="0"/>
+              <a:t> procedure em todas as operações que tem em comum ,mas os procedimentos conseguem </a:t>
+            </a:r>
+            <a:r>
+              <a:rPr lang="pt-BR" sz="2800" dirty="0" smtClean="0"/>
+              <a:t>garantir que </a:t>
+            </a:r>
+            <a:r>
+              <a:rPr lang="pt-BR" sz="2800" dirty="0"/>
+              <a:t>as tarefas sejam executadas forma correta e </a:t>
+            </a:r>
+            <a:r>
+              <a:rPr lang="pt-BR" sz="2800" dirty="0" smtClean="0"/>
+              <a:t>segura.</a:t>
+            </a:r>
+            <a:endParaRPr lang="pt-BR" sz="2800" dirty="0"/>
+          </a:p>
+        </p:txBody>
+      </p:sp>
+    </p:spTree>
+    <p:extLst>
+      <p:ext uri="{BB962C8B-B14F-4D97-AF65-F5344CB8AC3E}">
+        <p14:creationId xmlns:p14="http://schemas.microsoft.com/office/powerpoint/2010/main" val="523400627"/>
+      </p:ext>
+    </p:extLst>
+  </p:cSld>
+  <p:clrMapOvr>
+    <a:masterClrMapping/>
+  </p:clrMapOvr>
+</p:sld>
+</file>
+
+<file path=ppt/slides/slide6.xml><?xml version="1.0" encoding="utf-8"?>
+<p:sld xmlns:a="http://schemas.openxmlformats.org/drawingml/2006/main" xmlns:r="http://schemas.openxmlformats.org/officeDocument/2006/relationships" xmlns:p="http://schemas.openxmlformats.org/presentationml/2006/main">
+  <p:cSld>
+    <p:spTree>
+      <p:nvGrpSpPr>
+        <p:cNvPr id="1" name=""/>
+        <p:cNvGrpSpPr/>
+        <p:nvPr/>
+      </p:nvGrpSpPr>
+      <p:grpSpPr>
+        <a:xfrm>
+          <a:off x="0" y="0"/>
+          <a:ext cx="0" cy="0"/>
+          <a:chOff x="0" y="0"/>
+          <a:chExt cx="0" cy="0"/>
+        </a:xfrm>
+      </p:grpSpPr>
+      <p:sp>
+        <p:nvSpPr>
+          <p:cNvPr id="2" name="Título 1"/>
+          <p:cNvSpPr>
+            <a:spLocks noGrp="1"/>
+          </p:cNvSpPr>
+          <p:nvPr>
+            <p:ph type="title"/>
+          </p:nvPr>
+        </p:nvSpPr>
+        <p:spPr>
+          <a:xfrm>
+            <a:off x="621916" y="193963"/>
+            <a:ext cx="8596668" cy="1320800"/>
+          </a:xfrm>
+        </p:spPr>
+        <p:txBody>
+          <a:bodyPr/>
+          <a:lstStyle/>
+          <a:p>
+            <a:r>
+              <a:rPr lang="pt-BR" dirty="0" smtClean="0"/>
+              <a:t>Por que usar </a:t>
+            </a:r>
+            <a:r>
+              <a:rPr lang="pt-BR" dirty="0" err="1" smtClean="0"/>
+              <a:t>Stored</a:t>
+            </a:r>
+            <a:r>
+              <a:rPr lang="pt-BR" dirty="0" smtClean="0"/>
+              <a:t> Procedure?</a:t>
+            </a:r>
+            <a:endParaRPr lang="pt-BR" dirty="0"/>
+          </a:p>
+        </p:txBody>
+      </p:sp>
+      <p:sp>
+        <p:nvSpPr>
+          <p:cNvPr id="3" name="Espaço Reservado para Conteúdo 2"/>
+          <p:cNvSpPr>
+            <a:spLocks noGrp="1"/>
+          </p:cNvSpPr>
+          <p:nvPr>
+            <p:ph idx="1"/>
+          </p:nvPr>
+        </p:nvSpPr>
+        <p:spPr>
+          <a:xfrm>
+            <a:off x="414099" y="1048326"/>
+            <a:ext cx="10503285" cy="6054437"/>
+          </a:xfrm>
+        </p:spPr>
+        <p:txBody>
+          <a:bodyPr>
+            <a:normAutofit fontScale="92500" lnSpcReduction="20000"/>
+          </a:bodyPr>
+          <a:lstStyle/>
+          <a:p>
+            <a:r>
+              <a:rPr lang="pt-BR" sz="1900" dirty="0" err="1">
+                <a:solidFill>
+                  <a:schemeClr val="accent2">
+                    <a:lumMod val="75000"/>
+                  </a:schemeClr>
+                </a:solidFill>
+              </a:rPr>
+              <a:t>S</a:t>
+            </a:r>
+            <a:r>
+              <a:rPr lang="pt-BR" sz="1900" dirty="0" err="1" smtClean="0">
+                <a:solidFill>
+                  <a:schemeClr val="accent2">
+                    <a:lumMod val="75000"/>
+                  </a:schemeClr>
+                </a:solidFill>
+              </a:rPr>
+              <a:t>tored</a:t>
+            </a:r>
+            <a:r>
+              <a:rPr lang="pt-BR" sz="1900" dirty="0" smtClean="0">
+                <a:solidFill>
+                  <a:schemeClr val="accent2">
+                    <a:lumMod val="75000"/>
+                  </a:schemeClr>
+                </a:solidFill>
+              </a:rPr>
+              <a:t> </a:t>
+            </a:r>
+            <a:r>
+              <a:rPr lang="pt-BR" sz="1900" dirty="0">
+                <a:solidFill>
+                  <a:schemeClr val="accent2">
+                    <a:lumMod val="75000"/>
+                  </a:schemeClr>
+                </a:solidFill>
+              </a:rPr>
+              <a:t>procedure </a:t>
+            </a:r>
+            <a:r>
+              <a:rPr lang="pt-BR" sz="1900" dirty="0"/>
+              <a:t>não permite que nenhuma usuário tenha acesso as informações no banco de forma direta;</a:t>
+            </a:r>
+          </a:p>
+          <a:p>
+            <a:r>
+              <a:rPr lang="pt-BR" sz="1900" dirty="0">
+                <a:solidFill>
+                  <a:schemeClr val="accent2">
+                    <a:lumMod val="75000"/>
+                  </a:schemeClr>
+                </a:solidFill>
+              </a:rPr>
+              <a:t>Prevenção de injeção de SQL </a:t>
+            </a:r>
+            <a:r>
+              <a:rPr lang="pt-BR" sz="1900" dirty="0"/>
+              <a:t>– </a:t>
+            </a:r>
+            <a:r>
+              <a:rPr lang="pt-BR" sz="1900" dirty="0" smtClean="0"/>
+              <a:t>Quando </a:t>
+            </a:r>
+            <a:r>
+              <a:rPr lang="pt-BR" sz="1900" dirty="0"/>
+              <a:t>se usa os parâmetros de </a:t>
+            </a:r>
+            <a:r>
+              <a:rPr lang="pt-BR" sz="1900" dirty="0" err="1"/>
+              <a:t>stored</a:t>
+            </a:r>
+            <a:r>
+              <a:rPr lang="pt-BR" sz="1900" dirty="0"/>
+              <a:t> procedures, impede se a concatenação direta dos dados oferecidos pelo usuário dentro da consulta ,o que dificulta ataques de injeção </a:t>
+            </a:r>
+            <a:r>
+              <a:rPr lang="pt-BR" sz="1900" dirty="0" smtClean="0"/>
+              <a:t>SQL;</a:t>
+            </a:r>
+            <a:endParaRPr lang="pt-BR" sz="1900" dirty="0"/>
+          </a:p>
+          <a:p>
+            <a:r>
+              <a:rPr lang="pt-BR" sz="1900" dirty="0">
+                <a:solidFill>
+                  <a:schemeClr val="accent2">
+                    <a:lumMod val="75000"/>
+                  </a:schemeClr>
+                </a:solidFill>
+              </a:rPr>
+              <a:t>Controle de acesso granular </a:t>
+            </a:r>
+            <a:r>
+              <a:rPr lang="pt-BR" sz="1900" dirty="0"/>
+              <a:t>– em </a:t>
+            </a:r>
+            <a:r>
+              <a:rPr lang="pt-BR" sz="1900" dirty="0" err="1"/>
+              <a:t>stored</a:t>
+            </a:r>
+            <a:r>
+              <a:rPr lang="pt-BR" sz="1900" dirty="0"/>
+              <a:t> procedure </a:t>
+            </a:r>
+            <a:r>
+              <a:rPr lang="pt-BR" sz="1900" dirty="0" smtClean="0"/>
+              <a:t>,é possível dar </a:t>
+            </a:r>
+            <a:r>
+              <a:rPr lang="pt-BR" sz="1900" dirty="0"/>
+              <a:t>ao </a:t>
+            </a:r>
+            <a:r>
+              <a:rPr lang="pt-BR" sz="1900" dirty="0" smtClean="0"/>
+              <a:t>usuário </a:t>
+            </a:r>
+            <a:r>
+              <a:rPr lang="pt-BR" sz="1900" dirty="0"/>
+              <a:t>procedures especificas para acessar determinada função no banco sem ter que dar permissão total ao banco para acessar a tabela </a:t>
+            </a:r>
+            <a:r>
+              <a:rPr lang="pt-BR" sz="1900" dirty="0" smtClean="0"/>
+              <a:t>diretamente;</a:t>
+            </a:r>
+            <a:endParaRPr lang="pt-BR" sz="1900" dirty="0"/>
+          </a:p>
+          <a:p>
+            <a:r>
+              <a:rPr lang="pt-BR" sz="1900" dirty="0">
+                <a:solidFill>
+                  <a:schemeClr val="accent2">
+                    <a:lumMod val="75000"/>
+                  </a:schemeClr>
+                </a:solidFill>
+              </a:rPr>
+              <a:t>Redução da exposição da estrutura do banco </a:t>
+            </a:r>
+            <a:r>
+              <a:rPr lang="pt-BR" sz="1900" dirty="0"/>
+              <a:t>– as procedures abstraem a complexidade da estrutura do banco das aplicações que a utilizam, como ela utiliza de parâmetros para interagir com a estrutura (isso é</a:t>
+            </a:r>
+            <a:r>
+              <a:rPr lang="pt-BR" sz="1900" dirty="0" smtClean="0"/>
+              <a:t>, não </a:t>
+            </a:r>
+            <a:r>
+              <a:rPr lang="pt-BR" sz="1900" dirty="0"/>
+              <a:t>precisa conhecer os detalhes do banco para funcionar e acessar todos os detalhes e </a:t>
+            </a:r>
+            <a:r>
+              <a:rPr lang="pt-BR" sz="1900" dirty="0" smtClean="0"/>
+              <a:t>funções);</a:t>
+            </a:r>
+          </a:p>
+          <a:p>
+            <a:r>
+              <a:rPr lang="pt-BR" sz="1900" dirty="0" smtClean="0">
+                <a:solidFill>
+                  <a:schemeClr val="accent2">
+                    <a:lumMod val="75000"/>
+                  </a:schemeClr>
+                </a:solidFill>
+              </a:rPr>
+              <a:t>Validação </a:t>
+            </a:r>
+            <a:r>
+              <a:rPr lang="pt-BR" sz="1900" dirty="0">
+                <a:solidFill>
+                  <a:schemeClr val="accent2">
+                    <a:lumMod val="75000"/>
+                  </a:schemeClr>
+                </a:solidFill>
+              </a:rPr>
+              <a:t>de dados centralizada </a:t>
+            </a:r>
+            <a:r>
+              <a:rPr lang="pt-BR" sz="1900" dirty="0"/>
+              <a:t>– </a:t>
+            </a:r>
+            <a:r>
+              <a:rPr lang="pt-BR" sz="1900" dirty="0" err="1"/>
+              <a:t>stored</a:t>
+            </a:r>
+            <a:r>
+              <a:rPr lang="pt-BR" sz="1900" dirty="0"/>
+              <a:t> procedure valida os dados antes que sejam lançados </a:t>
+            </a:r>
+            <a:r>
+              <a:rPr lang="pt-BR" sz="1900" dirty="0" smtClean="0"/>
+              <a:t>no sistema</a:t>
+            </a:r>
+            <a:r>
+              <a:rPr lang="pt-BR" sz="1900" dirty="0"/>
+              <a:t>, o que prioriza a consistência e integridade dos dados e impede que dados inválidos ou maliciosos sejam inseridos no seu </a:t>
+            </a:r>
+            <a:r>
+              <a:rPr lang="pt-BR" sz="1900" dirty="0" smtClean="0"/>
+              <a:t>banco;</a:t>
+            </a:r>
+            <a:endParaRPr lang="pt-BR" sz="1900" dirty="0"/>
+          </a:p>
+          <a:p>
+            <a:r>
+              <a:rPr lang="pt-BR" sz="1900" dirty="0">
+                <a:solidFill>
+                  <a:schemeClr val="accent2">
+                    <a:lumMod val="75000"/>
+                  </a:schemeClr>
+                </a:solidFill>
+              </a:rPr>
+              <a:t>Auditoria Facilitada </a:t>
+            </a:r>
+            <a:r>
+              <a:rPr lang="pt-BR" sz="1900" dirty="0"/>
+              <a:t>– </a:t>
+            </a:r>
+            <a:r>
+              <a:rPr lang="pt-BR" sz="1900" dirty="0"/>
+              <a:t>É</a:t>
+            </a:r>
+            <a:r>
+              <a:rPr lang="pt-BR" sz="1900" dirty="0" smtClean="0"/>
+              <a:t> </a:t>
+            </a:r>
+            <a:r>
+              <a:rPr lang="pt-BR" sz="1900" dirty="0"/>
+              <a:t>mais fácil de controlar o fluxo de usuários dentro do banco </a:t>
+            </a:r>
+            <a:r>
+              <a:rPr lang="pt-BR" sz="1900" dirty="0" smtClean="0"/>
+              <a:t>pois </a:t>
+            </a:r>
+            <a:r>
+              <a:rPr lang="pt-BR" sz="1900" dirty="0" err="1"/>
+              <a:t>stored</a:t>
+            </a:r>
+            <a:r>
+              <a:rPr lang="pt-BR" sz="1900" dirty="0"/>
+              <a:t> procedure já que </a:t>
+            </a:r>
+            <a:r>
+              <a:rPr lang="pt-BR" sz="1900" dirty="0" smtClean="0"/>
+              <a:t>,todas </a:t>
+            </a:r>
+            <a:r>
+              <a:rPr lang="pt-BR" sz="1900" dirty="0"/>
+              <a:t>as operações mais importantes de um banco podem ser feitas </a:t>
+            </a:r>
+            <a:r>
+              <a:rPr lang="pt-BR" sz="1900" dirty="0" smtClean="0"/>
+              <a:t>usando-o os </a:t>
+            </a:r>
+            <a:r>
+              <a:rPr lang="pt-BR" sz="1900" dirty="0"/>
+              <a:t>logs podem fornecer informações bem importantes para mostrar quem está acessando o banco e o que está fazendo </a:t>
+            </a:r>
+            <a:r>
+              <a:rPr lang="pt-BR" sz="1900" dirty="0" smtClean="0"/>
+              <a:t>nele.</a:t>
+            </a:r>
+            <a:endParaRPr lang="pt-BR" sz="1900" dirty="0"/>
+          </a:p>
+          <a:p>
+            <a:r>
+              <a:rPr lang="pt-BR" sz="1900" dirty="0">
+                <a:solidFill>
+                  <a:schemeClr val="accent2">
+                    <a:lumMod val="75000"/>
+                  </a:schemeClr>
+                </a:solidFill>
+              </a:rPr>
+              <a:t>Menor tráfego de rede </a:t>
+            </a:r>
+            <a:r>
+              <a:rPr lang="pt-BR" sz="1900" dirty="0"/>
+              <a:t>– Como o </a:t>
+            </a:r>
+            <a:r>
+              <a:rPr lang="pt-BR" sz="1900" dirty="0" err="1"/>
+              <a:t>stored</a:t>
+            </a:r>
+            <a:r>
+              <a:rPr lang="pt-BR" sz="1900" dirty="0"/>
+              <a:t> </a:t>
+            </a:r>
+            <a:r>
+              <a:rPr lang="pt-BR" sz="1900" dirty="0" smtClean="0"/>
+              <a:t>procedure </a:t>
+            </a:r>
+            <a:r>
+              <a:rPr lang="pt-BR" sz="1900" dirty="0"/>
+              <a:t>executa várias tarefas repetitivas se assim for descrito, indiretamente o método deixa a rede mais rápida e além de economizar processamento de máquina, garante a segurança do banco e sistema.</a:t>
+            </a:r>
+          </a:p>
+          <a:p>
+            <a:endParaRPr lang="pt-BR" dirty="0"/>
+          </a:p>
+        </p:txBody>
+      </p:sp>
+    </p:spTree>
+    <p:extLst>
+      <p:ext uri="{BB962C8B-B14F-4D97-AF65-F5344CB8AC3E}">
+        <p14:creationId xmlns:p14="http://schemas.microsoft.com/office/powerpoint/2010/main" val="3064283111"/>
       </p:ext>
     </p:extLst>
   </p:cSld>
